--- a/Saturday/Oct30.pptx
+++ b/Saturday/Oct30.pptx
@@ -6,9 +6,13 @@
   </p:sldMasterIdLst>
   <p:sldIdLst>
     <p:sldId id="256" r:id="rId2"/>
-    <p:sldId id="257" r:id="rId3"/>
-    <p:sldId id="259" r:id="rId4"/>
-    <p:sldId id="258" r:id="rId5"/>
+    <p:sldId id="259" r:id="rId3"/>
+    <p:sldId id="258" r:id="rId4"/>
+    <p:sldId id="260" r:id="rId5"/>
+    <p:sldId id="262" r:id="rId6"/>
+    <p:sldId id="257" r:id="rId7"/>
+    <p:sldId id="261" r:id="rId8"/>
+    <p:sldId id="263" r:id="rId9"/>
   </p:sldIdLst>
   <p:sldSz cx="12192000" cy="6858000"/>
   <p:notesSz cx="6858000" cy="9144000"/>
@@ -107,6 +111,11 @@
       </a:defRPr>
     </a:lvl9pPr>
   </p:defaultTextStyle>
+  <p:extLst>
+    <p:ext uri="{EFAFB233-063F-42B5-8137-9DF3F51BA10A}">
+      <p15:sldGuideLst xmlns:p15="http://schemas.microsoft.com/office/powerpoint/2012/main"/>
+    </p:ext>
+  </p:extLst>
 </p:presentation>
 </file>
 
@@ -257,7 +266,7 @@
           <a:p>
             <a:fld id="{C3780D1A-4D6C-4604-976A-536E4E250CB9}" type="datetimeFigureOut">
               <a:rPr lang="ko-KR" altLang="en-US" smtClean="0"/>
-              <a:t>2021-10-26</a:t>
+              <a:t>2021-10-27</a:t>
             </a:fld>
             <a:endParaRPr lang="ko-KR" altLang="en-US"/>
           </a:p>
@@ -455,7 +464,7 @@
           <a:p>
             <a:fld id="{C3780D1A-4D6C-4604-976A-536E4E250CB9}" type="datetimeFigureOut">
               <a:rPr lang="ko-KR" altLang="en-US" smtClean="0"/>
-              <a:t>2021-10-26</a:t>
+              <a:t>2021-10-27</a:t>
             </a:fld>
             <a:endParaRPr lang="ko-KR" altLang="en-US"/>
           </a:p>
@@ -663,7 +672,7 @@
           <a:p>
             <a:fld id="{C3780D1A-4D6C-4604-976A-536E4E250CB9}" type="datetimeFigureOut">
               <a:rPr lang="ko-KR" altLang="en-US" smtClean="0"/>
-              <a:t>2021-10-26</a:t>
+              <a:t>2021-10-27</a:t>
             </a:fld>
             <a:endParaRPr lang="ko-KR" altLang="en-US"/>
           </a:p>
@@ -861,7 +870,7 @@
           <a:p>
             <a:fld id="{C3780D1A-4D6C-4604-976A-536E4E250CB9}" type="datetimeFigureOut">
               <a:rPr lang="ko-KR" altLang="en-US" smtClean="0"/>
-              <a:t>2021-10-26</a:t>
+              <a:t>2021-10-27</a:t>
             </a:fld>
             <a:endParaRPr lang="ko-KR" altLang="en-US"/>
           </a:p>
@@ -1136,7 +1145,7 @@
           <a:p>
             <a:fld id="{C3780D1A-4D6C-4604-976A-536E4E250CB9}" type="datetimeFigureOut">
               <a:rPr lang="ko-KR" altLang="en-US" smtClean="0"/>
-              <a:t>2021-10-26</a:t>
+              <a:t>2021-10-27</a:t>
             </a:fld>
             <a:endParaRPr lang="ko-KR" altLang="en-US"/>
           </a:p>
@@ -1401,7 +1410,7 @@
           <a:p>
             <a:fld id="{C3780D1A-4D6C-4604-976A-536E4E250CB9}" type="datetimeFigureOut">
               <a:rPr lang="ko-KR" altLang="en-US" smtClean="0"/>
-              <a:t>2021-10-26</a:t>
+              <a:t>2021-10-27</a:t>
             </a:fld>
             <a:endParaRPr lang="ko-KR" altLang="en-US"/>
           </a:p>
@@ -1813,7 +1822,7 @@
           <a:p>
             <a:fld id="{C3780D1A-4D6C-4604-976A-536E4E250CB9}" type="datetimeFigureOut">
               <a:rPr lang="ko-KR" altLang="en-US" smtClean="0"/>
-              <a:t>2021-10-26</a:t>
+              <a:t>2021-10-27</a:t>
             </a:fld>
             <a:endParaRPr lang="ko-KR" altLang="en-US"/>
           </a:p>
@@ -1954,7 +1963,7 @@
           <a:p>
             <a:fld id="{C3780D1A-4D6C-4604-976A-536E4E250CB9}" type="datetimeFigureOut">
               <a:rPr lang="ko-KR" altLang="en-US" smtClean="0"/>
-              <a:t>2021-10-26</a:t>
+              <a:t>2021-10-27</a:t>
             </a:fld>
             <a:endParaRPr lang="ko-KR" altLang="en-US"/>
           </a:p>
@@ -2067,7 +2076,7 @@
           <a:p>
             <a:fld id="{C3780D1A-4D6C-4604-976A-536E4E250CB9}" type="datetimeFigureOut">
               <a:rPr lang="ko-KR" altLang="en-US" smtClean="0"/>
-              <a:t>2021-10-26</a:t>
+              <a:t>2021-10-27</a:t>
             </a:fld>
             <a:endParaRPr lang="ko-KR" altLang="en-US"/>
           </a:p>
@@ -2378,7 +2387,7 @@
           <a:p>
             <a:fld id="{C3780D1A-4D6C-4604-976A-536E4E250CB9}" type="datetimeFigureOut">
               <a:rPr lang="ko-KR" altLang="en-US" smtClean="0"/>
-              <a:t>2021-10-26</a:t>
+              <a:t>2021-10-27</a:t>
             </a:fld>
             <a:endParaRPr lang="ko-KR" altLang="en-US"/>
           </a:p>
@@ -2666,7 +2675,7 @@
           <a:p>
             <a:fld id="{C3780D1A-4D6C-4604-976A-536E4E250CB9}" type="datetimeFigureOut">
               <a:rPr lang="ko-KR" altLang="en-US" smtClean="0"/>
-              <a:t>2021-10-26</a:t>
+              <a:t>2021-10-27</a:t>
             </a:fld>
             <a:endParaRPr lang="ko-KR" altLang="en-US"/>
           </a:p>
@@ -2907,7 +2916,7 @@
           <a:p>
             <a:fld id="{C3780D1A-4D6C-4604-976A-536E4E250CB9}" type="datetimeFigureOut">
               <a:rPr lang="ko-KR" altLang="en-US" smtClean="0"/>
-              <a:t>2021-10-26</a:t>
+              <a:t>2021-10-27</a:t>
             </a:fld>
             <a:endParaRPr lang="ko-KR" altLang="en-US"/>
           </a:p>
@@ -3345,7 +3354,7 @@
           <a:bodyPr/>
           <a:lstStyle/>
           <a:p>
-            <a:endParaRPr lang="ko-KR" altLang="en-US"/>
+            <a:endParaRPr lang="ko-KR" altLang="en-US" dirty="0"/>
           </a:p>
         </p:txBody>
       </p:sp>
@@ -3388,165 +3397,6 @@
 </file>
 
 <file path=ppt/slides/slide2.xml><?xml version="1.0" encoding="utf-8"?>
-<p:sld xmlns:a="http://schemas.openxmlformats.org/drawingml/2006/main" xmlns:r="http://schemas.openxmlformats.org/officeDocument/2006/relationships" xmlns:p="http://schemas.openxmlformats.org/presentationml/2006/main">
-  <p:cSld>
-    <p:spTree>
-      <p:nvGrpSpPr>
-        <p:cNvPr id="1" name=""/>
-        <p:cNvGrpSpPr/>
-        <p:nvPr/>
-      </p:nvGrpSpPr>
-      <p:grpSpPr>
-        <a:xfrm>
-          <a:off x="0" y="0"/>
-          <a:ext cx="0" cy="0"/>
-          <a:chOff x="0" y="0"/>
-          <a:chExt cx="0" cy="0"/>
-        </a:xfrm>
-      </p:grpSpPr>
-      <p:sp>
-        <p:nvSpPr>
-          <p:cNvPr id="2" name="제목 1">
-            <a:extLst>
-              <a:ext uri="{FF2B5EF4-FFF2-40B4-BE49-F238E27FC236}">
-                <a16:creationId xmlns:a16="http://schemas.microsoft.com/office/drawing/2014/main" id="{133BC467-56FA-40F8-8C85-59D03FA77A77}"/>
-              </a:ext>
-            </a:extLst>
-          </p:cNvPr>
-          <p:cNvSpPr>
-            <a:spLocks noGrp="1"/>
-          </p:cNvSpPr>
-          <p:nvPr>
-            <p:ph type="title"/>
-          </p:nvPr>
-        </p:nvSpPr>
-        <p:spPr/>
-        <p:txBody>
-          <a:bodyPr/>
-          <a:lstStyle/>
-          <a:p>
-            <a:r>
-              <a:rPr lang="ko-KR" altLang="en-US" dirty="0"/>
-              <a:t>키워드</a:t>
-            </a:r>
-          </a:p>
-        </p:txBody>
-      </p:sp>
-      <p:sp>
-        <p:nvSpPr>
-          <p:cNvPr id="3" name="내용 개체 틀 2">
-            <a:extLst>
-              <a:ext uri="{FF2B5EF4-FFF2-40B4-BE49-F238E27FC236}">
-                <a16:creationId xmlns:a16="http://schemas.microsoft.com/office/drawing/2014/main" id="{DC7B0CA5-7C14-4A9C-8944-02BBC91D9D85}"/>
-              </a:ext>
-            </a:extLst>
-          </p:cNvPr>
-          <p:cNvSpPr>
-            <a:spLocks noGrp="1"/>
-          </p:cNvSpPr>
-          <p:nvPr>
-            <p:ph idx="1"/>
-          </p:nvPr>
-        </p:nvSpPr>
-        <p:spPr/>
-        <p:txBody>
-          <a:bodyPr/>
-          <a:lstStyle/>
-          <a:p>
-            <a:r>
-              <a:rPr lang="ko-KR" altLang="en-US" dirty="0"/>
-              <a:t>의사결정 세부설명 이후 차례</a:t>
-            </a:r>
-            <a:endParaRPr lang="en-US" altLang="ko-KR" dirty="0"/>
-          </a:p>
-          <a:p>
-            <a:r>
-              <a:rPr lang="ko-KR" altLang="en-US" dirty="0"/>
-              <a:t>센서</a:t>
-            </a:r>
-            <a:r>
-              <a:rPr lang="en-US" altLang="ko-KR" dirty="0"/>
-              <a:t>, </a:t>
-            </a:r>
-            <a:r>
-              <a:rPr lang="ko-KR" altLang="en-US" dirty="0"/>
-              <a:t>운동생성</a:t>
-            </a:r>
-            <a:r>
-              <a:rPr lang="en-US" altLang="ko-KR" dirty="0"/>
-              <a:t>, </a:t>
-            </a:r>
-            <a:r>
-              <a:rPr lang="ko-KR" altLang="en-US" dirty="0" err="1"/>
-              <a:t>이펙터는</a:t>
-            </a:r>
-            <a:r>
-              <a:rPr lang="ko-KR" altLang="en-US" dirty="0"/>
-              <a:t> 프로그램 특성상 읽기 쓰기로 설명됨</a:t>
-            </a:r>
-            <a:endParaRPr lang="en-US" altLang="ko-KR" dirty="0"/>
-          </a:p>
-          <a:p>
-            <a:r>
-              <a:rPr lang="ko-KR" altLang="en-US" dirty="0"/>
-              <a:t>지식생성 설명</a:t>
-            </a:r>
-            <a:endParaRPr lang="en-US" altLang="ko-KR" dirty="0"/>
-          </a:p>
-          <a:p>
-            <a:endParaRPr lang="en-US" altLang="ko-KR" dirty="0"/>
-          </a:p>
-          <a:p>
-            <a:r>
-              <a:rPr lang="ko-KR" altLang="en-US" dirty="0"/>
-              <a:t>게임은 연속적</a:t>
-            </a:r>
-            <a:r>
-              <a:rPr lang="en-US" altLang="ko-KR" dirty="0"/>
-              <a:t>(</a:t>
-            </a:r>
-            <a:r>
-              <a:rPr lang="ko-KR" altLang="en-US" dirty="0"/>
-              <a:t>하지만 사실은 엄청 빠른 이산</a:t>
-            </a:r>
-            <a:r>
-              <a:rPr lang="en-US" altLang="ko-KR" dirty="0"/>
-              <a:t>)</a:t>
-            </a:r>
-          </a:p>
-          <a:p>
-            <a:pPr lvl="1"/>
-            <a:r>
-              <a:rPr lang="en-US" altLang="ko-KR" dirty="0">
-                <a:hlinkClick r:id="rId2"/>
-              </a:rPr>
-              <a:t>https://www.youtube.com/watch?v=Be655RetuM0</a:t>
-            </a:r>
-            <a:endParaRPr lang="en-US" altLang="ko-KR" dirty="0"/>
-          </a:p>
-          <a:p>
-            <a:r>
-              <a:rPr lang="ko-KR" altLang="en-US" dirty="0"/>
-              <a:t>바둑이나 체스처럼 환경을 상태데이터로 만들고 수를 예측하기에는 짧은 시간</a:t>
-            </a:r>
-            <a:endParaRPr lang="en-US" altLang="ko-KR" dirty="0"/>
-          </a:p>
-        </p:txBody>
-      </p:sp>
-    </p:spTree>
-    <p:extLst>
-      <p:ext uri="{BB962C8B-B14F-4D97-AF65-F5344CB8AC3E}">
-        <p14:creationId xmlns:p14="http://schemas.microsoft.com/office/powerpoint/2010/main" val="4181087002"/>
-      </p:ext>
-    </p:extLst>
-  </p:cSld>
-  <p:clrMapOvr>
-    <a:masterClrMapping/>
-  </p:clrMapOvr>
-</p:sld>
-</file>
-
-<file path=ppt/slides/slide3.xml><?xml version="1.0" encoding="utf-8"?>
 <p:sld xmlns:a="http://schemas.openxmlformats.org/drawingml/2006/main" xmlns:r="http://schemas.openxmlformats.org/officeDocument/2006/relationships" xmlns:p="http://schemas.openxmlformats.org/presentationml/2006/main">
   <p:cSld>
     <p:spTree>
@@ -3852,6 +3702,207 @@
 </p:sld>
 </file>
 
+<file path=ppt/slides/slide3.xml><?xml version="1.0" encoding="utf-8"?>
+<p:sld xmlns:a="http://schemas.openxmlformats.org/drawingml/2006/main" xmlns:r="http://schemas.openxmlformats.org/officeDocument/2006/relationships" xmlns:p="http://schemas.openxmlformats.org/presentationml/2006/main" show="0">
+  <p:cSld>
+    <p:spTree>
+      <p:nvGrpSpPr>
+        <p:cNvPr id="1" name=""/>
+        <p:cNvGrpSpPr/>
+        <p:nvPr/>
+      </p:nvGrpSpPr>
+      <p:grpSpPr>
+        <a:xfrm>
+          <a:off x="0" y="0"/>
+          <a:ext cx="0" cy="0"/>
+          <a:chOff x="0" y="0"/>
+          <a:chExt cx="0" cy="0"/>
+        </a:xfrm>
+      </p:grpSpPr>
+      <p:sp>
+        <p:nvSpPr>
+          <p:cNvPr id="2" name="제목 1">
+            <a:extLst>
+              <a:ext uri="{FF2B5EF4-FFF2-40B4-BE49-F238E27FC236}">
+                <a16:creationId xmlns:a16="http://schemas.microsoft.com/office/drawing/2014/main" id="{A929B062-5F38-410D-8009-22EC6F5ADC7C}"/>
+              </a:ext>
+            </a:extLst>
+          </p:cNvPr>
+          <p:cNvSpPr>
+            <a:spLocks noGrp="1"/>
+          </p:cNvSpPr>
+          <p:nvPr>
+            <p:ph type="title"/>
+          </p:nvPr>
+        </p:nvSpPr>
+        <p:spPr/>
+        <p:txBody>
+          <a:bodyPr/>
+          <a:lstStyle/>
+          <a:p>
+            <a:r>
+              <a:rPr lang="ko-KR" altLang="en-US" dirty="0"/>
+              <a:t>로봇공학과의 차이</a:t>
+            </a:r>
+          </a:p>
+        </p:txBody>
+      </p:sp>
+      <p:sp>
+        <p:nvSpPr>
+          <p:cNvPr id="3" name="내용 개체 틀 2">
+            <a:extLst>
+              <a:ext uri="{FF2B5EF4-FFF2-40B4-BE49-F238E27FC236}">
+                <a16:creationId xmlns:a16="http://schemas.microsoft.com/office/drawing/2014/main" id="{8668407D-1B8F-4679-B0F2-4473966B9A75}"/>
+              </a:ext>
+            </a:extLst>
+          </p:cNvPr>
+          <p:cNvSpPr>
+            <a:spLocks noGrp="1"/>
+          </p:cNvSpPr>
+          <p:nvPr>
+            <p:ph idx="1"/>
+          </p:nvPr>
+        </p:nvSpPr>
+        <p:spPr/>
+        <p:txBody>
+          <a:bodyPr/>
+          <a:lstStyle/>
+          <a:p>
+            <a:r>
+              <a:rPr lang="ko-KR" altLang="en-US" dirty="0"/>
+              <a:t>참조하는 환경과의 </a:t>
+            </a:r>
+            <a:r>
+              <a:rPr lang="ko-KR" altLang="en-US" dirty="0" err="1"/>
+              <a:t>밀집성</a:t>
+            </a:r>
+            <a:endParaRPr lang="en-US" altLang="ko-KR" dirty="0"/>
+          </a:p>
+          <a:p>
+            <a:pPr lvl="1"/>
+            <a:r>
+              <a:rPr lang="ko-KR" altLang="en-US" dirty="0"/>
+              <a:t>로봇은 센서를 통해 세상의 일부를 접함</a:t>
+            </a:r>
+            <a:endParaRPr lang="en-US" altLang="ko-KR" dirty="0"/>
+          </a:p>
+          <a:p>
+            <a:pPr lvl="1"/>
+            <a:r>
+              <a:rPr lang="ko-KR" altLang="en-US" dirty="0"/>
+              <a:t>게임 내의 </a:t>
+            </a:r>
+            <a:r>
+              <a:rPr lang="en-US" altLang="ko-KR" dirty="0"/>
+              <a:t>AI</a:t>
+            </a:r>
+            <a:r>
+              <a:rPr lang="ko-KR" altLang="en-US" dirty="0"/>
+              <a:t>는 프로그램 구조에 따라 받아들이는 정보가 다름</a:t>
+            </a:r>
+            <a:endParaRPr lang="en-US" altLang="ko-KR" dirty="0"/>
+          </a:p>
+          <a:p>
+            <a:pPr lvl="2"/>
+            <a:r>
+              <a:rPr lang="ko-KR" altLang="en-US" dirty="0"/>
+              <a:t>대체적으로 로봇보다는 많다</a:t>
+            </a:r>
+            <a:r>
+              <a:rPr lang="en-US" altLang="ko-KR" dirty="0"/>
+              <a:t>.</a:t>
+            </a:r>
+          </a:p>
+          <a:p>
+            <a:pPr lvl="3"/>
+            <a:r>
+              <a:rPr lang="ko-KR" altLang="en-US" dirty="0"/>
+              <a:t>실세계에서 데이터를 모아 </a:t>
+            </a:r>
+            <a:r>
+              <a:rPr lang="ko-KR" altLang="en-US" dirty="0" err="1"/>
+              <a:t>지식화하는</a:t>
+            </a:r>
+            <a:r>
+              <a:rPr lang="ko-KR" altLang="en-US" dirty="0"/>
+              <a:t> 과정이 더 간소</a:t>
+            </a:r>
+            <a:endParaRPr lang="en-US" altLang="ko-KR" dirty="0"/>
+          </a:p>
+          <a:p>
+            <a:pPr lvl="3"/>
+            <a:r>
+              <a:rPr lang="ko-KR" altLang="en-US" dirty="0"/>
+              <a:t>센서보다는 지식화가 더 중요</a:t>
+            </a:r>
+            <a:endParaRPr lang="en-US" altLang="ko-KR" dirty="0"/>
+          </a:p>
+          <a:p>
+            <a:pPr lvl="3"/>
+            <a:endParaRPr lang="en-US" altLang="ko-KR" dirty="0"/>
+          </a:p>
+          <a:p>
+            <a:r>
+              <a:rPr lang="ko-KR" altLang="en-US" dirty="0"/>
+              <a:t>게임에서는 </a:t>
+            </a:r>
+            <a:r>
+              <a:rPr lang="ko-KR" altLang="en-US" b="1" dirty="0"/>
+              <a:t>지식생성</a:t>
+            </a:r>
+            <a:r>
+              <a:rPr lang="en-US" altLang="ko-KR" b="1" dirty="0"/>
+              <a:t>, </a:t>
+            </a:r>
+            <a:r>
+              <a:rPr lang="ko-KR" altLang="en-US" b="1" dirty="0"/>
+              <a:t>의사결정이 중요</a:t>
+            </a:r>
+            <a:endParaRPr lang="en-US" altLang="ko-KR" dirty="0"/>
+          </a:p>
+          <a:p>
+            <a:pPr lvl="1"/>
+            <a:r>
+              <a:rPr lang="ko-KR" altLang="en-US" dirty="0"/>
+              <a:t>센서</a:t>
+            </a:r>
+            <a:r>
+              <a:rPr lang="en-US" altLang="ko-KR" dirty="0"/>
+              <a:t>, </a:t>
+            </a:r>
+            <a:r>
+              <a:rPr lang="ko-KR" altLang="en-US" dirty="0"/>
+              <a:t>운동생성</a:t>
+            </a:r>
+            <a:r>
+              <a:rPr lang="en-US" altLang="ko-KR" dirty="0"/>
+              <a:t>, </a:t>
+            </a:r>
+            <a:r>
+              <a:rPr lang="ko-KR" altLang="en-US" dirty="0" err="1"/>
+              <a:t>이펙터는</a:t>
+            </a:r>
+            <a:r>
+              <a:rPr lang="ko-KR" altLang="en-US" dirty="0"/>
+              <a:t> 프로그램 특성상 읽기 쓰기로 설명됨</a:t>
+            </a:r>
+            <a:endParaRPr lang="en-US" altLang="ko-KR" dirty="0"/>
+          </a:p>
+        </p:txBody>
+      </p:sp>
+    </p:spTree>
+    <p:extLst>
+      <p:ext uri="{BB962C8B-B14F-4D97-AF65-F5344CB8AC3E}">
+        <p14:creationId xmlns:p14="http://schemas.microsoft.com/office/powerpoint/2010/main" val="1731923590"/>
+      </p:ext>
+    </p:extLst>
+  </p:cSld>
+  <p:clrMapOvr>
+    <a:masterClrMapping/>
+  </p:clrMapOvr>
+</p:sld>
+</file>
+
 <file path=ppt/slides/slide4.xml><?xml version="1.0" encoding="utf-8"?>
 <p:sld xmlns:a="http://schemas.openxmlformats.org/drawingml/2006/main" xmlns:r="http://schemas.openxmlformats.org/officeDocument/2006/relationships" xmlns:p="http://schemas.openxmlformats.org/presentationml/2006/main">
   <p:cSld>
@@ -3874,7 +3925,7 @@
           <p:cNvPr id="2" name="제목 1">
             <a:extLst>
               <a:ext uri="{FF2B5EF4-FFF2-40B4-BE49-F238E27FC236}">
-                <a16:creationId xmlns:a16="http://schemas.microsoft.com/office/drawing/2014/main" id="{A929B062-5F38-410D-8009-22EC6F5ADC7C}"/>
+                <a16:creationId xmlns:a16="http://schemas.microsoft.com/office/drawing/2014/main" id="{BAE84DF0-5384-49A2-87C4-B086A24B3FB4}"/>
               </a:ext>
             </a:extLst>
           </p:cNvPr>
@@ -3892,7 +3943,7 @@
           <a:p>
             <a:r>
               <a:rPr lang="ko-KR" altLang="en-US" dirty="0"/>
-              <a:t>로봇공학과의 차이</a:t>
+              <a:t>에이전트를 게임에의 적용</a:t>
             </a:r>
           </a:p>
         </p:txBody>
@@ -3902,7 +3953,7 @@
           <p:cNvPr id="3" name="내용 개체 틀 2">
             <a:extLst>
               <a:ext uri="{FF2B5EF4-FFF2-40B4-BE49-F238E27FC236}">
-                <a16:creationId xmlns:a16="http://schemas.microsoft.com/office/drawing/2014/main" id="{8668407D-1B8F-4679-B0F2-4473966B9A75}"/>
+                <a16:creationId xmlns:a16="http://schemas.microsoft.com/office/drawing/2014/main" id="{CA777FEC-447C-4352-826D-B8A037871647}"/>
               </a:ext>
             </a:extLst>
           </p:cNvPr>
@@ -3920,82 +3971,642 @@
           <a:p>
             <a:r>
               <a:rPr lang="ko-KR" altLang="en-US" dirty="0"/>
-              <a:t>참조하는 환경과의 </a:t>
+              <a:t>센서 </a:t>
+            </a:r>
+            <a:r>
+              <a:rPr lang="en-US" altLang="ko-KR" dirty="0"/>
+              <a:t>-&gt; </a:t>
+            </a:r>
+            <a:r>
+              <a:rPr lang="ko-KR" altLang="en-US" dirty="0"/>
+              <a:t>지식 생성 </a:t>
+            </a:r>
+            <a:r>
+              <a:rPr lang="en-US" altLang="ko-KR" dirty="0"/>
+              <a:t>-&gt; </a:t>
+            </a:r>
+            <a:r>
+              <a:rPr lang="ko-KR" altLang="en-US" dirty="0"/>
+              <a:t>의사 결정 </a:t>
+            </a:r>
+            <a:r>
+              <a:rPr lang="en-US" altLang="ko-KR" dirty="0"/>
+              <a:t>-&gt; </a:t>
+            </a:r>
+            <a:r>
+              <a:rPr lang="ko-KR" altLang="en-US" dirty="0"/>
+              <a:t>운동 생성 </a:t>
+            </a:r>
+            <a:r>
+              <a:rPr lang="en-US" altLang="ko-KR" dirty="0"/>
+              <a:t>-&gt; </a:t>
             </a:r>
             <a:r>
               <a:rPr lang="ko-KR" altLang="en-US" dirty="0" err="1"/>
-              <a:t>밀집성</a:t>
+              <a:t>이펙터</a:t>
             </a:r>
             <a:endParaRPr lang="en-US" altLang="ko-KR" dirty="0"/>
           </a:p>
           <a:p>
-            <a:pPr lvl="1"/>
-            <a:r>
-              <a:rPr lang="ko-KR" altLang="en-US" dirty="0"/>
-              <a:t>로봇은 센서를 통해 세상의 일부를 접함</a:t>
+            <a:r>
+              <a:rPr lang="ko-KR" altLang="en-US" dirty="0"/>
+              <a:t>월드</a:t>
             </a:r>
             <a:endParaRPr lang="en-US" altLang="ko-KR" dirty="0"/>
           </a:p>
           <a:p>
-            <a:pPr lvl="1"/>
-            <a:r>
-              <a:rPr lang="ko-KR" altLang="en-US" dirty="0"/>
-              <a:t>게임 내의 </a:t>
+            <a:endParaRPr lang="en-US" altLang="ko-KR" dirty="0"/>
+          </a:p>
+          <a:p>
+            <a:r>
+              <a:rPr lang="ko-KR" altLang="en-US" dirty="0"/>
+              <a:t>센서 </a:t>
             </a:r>
             <a:r>
               <a:rPr lang="en-US" altLang="ko-KR" dirty="0"/>
-              <a:t>AI</a:t>
-            </a:r>
-            <a:r>
-              <a:rPr lang="ko-KR" altLang="en-US" dirty="0"/>
-              <a:t>는 프로그램 구조에 따라 받아들이는 정보가 다름</a:t>
-            </a:r>
-            <a:endParaRPr lang="en-US" altLang="ko-KR" dirty="0"/>
-          </a:p>
-          <a:p>
-            <a:pPr lvl="2"/>
-            <a:r>
-              <a:rPr lang="ko-KR" altLang="en-US" dirty="0"/>
-              <a:t>대체적으로 로봇보다는 많다</a:t>
-            </a:r>
-            <a:r>
-              <a:rPr lang="en-US" altLang="ko-KR" dirty="0"/>
-              <a:t>.</a:t>
-            </a:r>
-          </a:p>
-          <a:p>
-            <a:pPr lvl="3"/>
-            <a:r>
-              <a:rPr lang="ko-KR" altLang="en-US" dirty="0"/>
-              <a:t>실세계에서 데이터를 모아 </a:t>
-            </a:r>
-            <a:r>
-              <a:rPr lang="ko-KR" altLang="en-US" dirty="0" err="1"/>
-              <a:t>지식화하는</a:t>
-            </a:r>
-            <a:r>
-              <a:rPr lang="ko-KR" altLang="en-US" dirty="0"/>
-              <a:t> 과정이 더 간소</a:t>
-            </a:r>
-            <a:endParaRPr lang="en-US" altLang="ko-KR" dirty="0"/>
-          </a:p>
-          <a:p>
-            <a:pPr lvl="3"/>
-            <a:r>
-              <a:rPr lang="ko-KR" altLang="en-US" dirty="0"/>
-              <a:t>센서보다는 지식화가 더 중요</a:t>
-            </a:r>
-            <a:endParaRPr lang="en-US" altLang="ko-KR" dirty="0"/>
-          </a:p>
-          <a:p>
-            <a:endParaRPr lang="en-US" altLang="ko-KR" dirty="0"/>
+              <a:t>: </a:t>
+            </a:r>
+            <a:r>
+              <a:rPr lang="ko-KR" altLang="en-US" dirty="0"/>
+              <a:t>데이터 접근</a:t>
+            </a:r>
           </a:p>
         </p:txBody>
       </p:sp>
     </p:spTree>
     <p:extLst>
       <p:ext uri="{BB962C8B-B14F-4D97-AF65-F5344CB8AC3E}">
-        <p14:creationId xmlns:p14="http://schemas.microsoft.com/office/powerpoint/2010/main" val="1731923590"/>
+        <p14:creationId xmlns:p14="http://schemas.microsoft.com/office/powerpoint/2010/main" val="188280347"/>
+      </p:ext>
+    </p:extLst>
+  </p:cSld>
+  <p:clrMapOvr>
+    <a:masterClrMapping/>
+  </p:clrMapOvr>
+</p:sld>
+</file>
+
+<file path=ppt/slides/slide5.xml><?xml version="1.0" encoding="utf-8"?>
+<p:sld xmlns:a="http://schemas.openxmlformats.org/drawingml/2006/main" xmlns:r="http://schemas.openxmlformats.org/officeDocument/2006/relationships" xmlns:p="http://schemas.openxmlformats.org/presentationml/2006/main">
+  <p:cSld>
+    <p:spTree>
+      <p:nvGrpSpPr>
+        <p:cNvPr id="1" name=""/>
+        <p:cNvGrpSpPr/>
+        <p:nvPr/>
+      </p:nvGrpSpPr>
+      <p:grpSpPr>
+        <a:xfrm>
+          <a:off x="0" y="0"/>
+          <a:ext cx="0" cy="0"/>
+          <a:chOff x="0" y="0"/>
+          <a:chExt cx="0" cy="0"/>
+        </a:xfrm>
+      </p:grpSpPr>
+      <p:sp>
+        <p:nvSpPr>
+          <p:cNvPr id="2" name="제목 1">
+            <a:extLst>
+              <a:ext uri="{FF2B5EF4-FFF2-40B4-BE49-F238E27FC236}">
+                <a16:creationId xmlns:a16="http://schemas.microsoft.com/office/drawing/2014/main" id="{342E8C96-B61A-4CB0-B6C6-9E13C5AE8126}"/>
+              </a:ext>
+            </a:extLst>
+          </p:cNvPr>
+          <p:cNvSpPr>
+            <a:spLocks noGrp="1"/>
+          </p:cNvSpPr>
+          <p:nvPr>
+            <p:ph type="title"/>
+          </p:nvPr>
+        </p:nvSpPr>
+        <p:spPr/>
+        <p:txBody>
+          <a:bodyPr/>
+          <a:lstStyle/>
+          <a:p>
+            <a:r>
+              <a:rPr lang="ko-KR" altLang="en-US" dirty="0"/>
+              <a:t>지식생성</a:t>
+            </a:r>
+          </a:p>
+        </p:txBody>
+      </p:sp>
+      <p:sp>
+        <p:nvSpPr>
+          <p:cNvPr id="3" name="내용 개체 틀 2">
+            <a:extLst>
+              <a:ext uri="{FF2B5EF4-FFF2-40B4-BE49-F238E27FC236}">
+                <a16:creationId xmlns:a16="http://schemas.microsoft.com/office/drawing/2014/main" id="{FA8B6C9B-3AC3-40A2-B97E-28D9D5C3B4F3}"/>
+              </a:ext>
+            </a:extLst>
+          </p:cNvPr>
+          <p:cNvSpPr>
+            <a:spLocks noGrp="1"/>
+          </p:cNvSpPr>
+          <p:nvPr>
+            <p:ph idx="1"/>
+          </p:nvPr>
+        </p:nvSpPr>
+        <p:spPr/>
+        <p:txBody>
+          <a:bodyPr/>
+          <a:lstStyle/>
+          <a:p>
+            <a:endParaRPr lang="ko-KR" altLang="en-US"/>
+          </a:p>
+        </p:txBody>
+      </p:sp>
+    </p:spTree>
+    <p:extLst>
+      <p:ext uri="{BB962C8B-B14F-4D97-AF65-F5344CB8AC3E}">
+        <p14:creationId xmlns:p14="http://schemas.microsoft.com/office/powerpoint/2010/main" val="2142057531"/>
+      </p:ext>
+    </p:extLst>
+  </p:cSld>
+  <p:clrMapOvr>
+    <a:masterClrMapping/>
+  </p:clrMapOvr>
+</p:sld>
+</file>
+
+<file path=ppt/slides/slide6.xml><?xml version="1.0" encoding="utf-8"?>
+<p:sld xmlns:a="http://schemas.openxmlformats.org/drawingml/2006/main" xmlns:r="http://schemas.openxmlformats.org/officeDocument/2006/relationships" xmlns:p="http://schemas.openxmlformats.org/presentationml/2006/main">
+  <p:cSld>
+    <p:spTree>
+      <p:nvGrpSpPr>
+        <p:cNvPr id="1" name=""/>
+        <p:cNvGrpSpPr/>
+        <p:nvPr/>
+      </p:nvGrpSpPr>
+      <p:grpSpPr>
+        <a:xfrm>
+          <a:off x="0" y="0"/>
+          <a:ext cx="0" cy="0"/>
+          <a:chOff x="0" y="0"/>
+          <a:chExt cx="0" cy="0"/>
+        </a:xfrm>
+      </p:grpSpPr>
+      <p:sp>
+        <p:nvSpPr>
+          <p:cNvPr id="2" name="제목 1">
+            <a:extLst>
+              <a:ext uri="{FF2B5EF4-FFF2-40B4-BE49-F238E27FC236}">
+                <a16:creationId xmlns:a16="http://schemas.microsoft.com/office/drawing/2014/main" id="{133BC467-56FA-40F8-8C85-59D03FA77A77}"/>
+              </a:ext>
+            </a:extLst>
+          </p:cNvPr>
+          <p:cNvSpPr>
+            <a:spLocks noGrp="1"/>
+          </p:cNvSpPr>
+          <p:nvPr>
+            <p:ph type="title"/>
+          </p:nvPr>
+        </p:nvSpPr>
+        <p:spPr/>
+        <p:txBody>
+          <a:bodyPr/>
+          <a:lstStyle/>
+          <a:p>
+            <a:r>
+              <a:rPr lang="ko-KR" altLang="en-US" dirty="0"/>
+              <a:t>키워드</a:t>
+            </a:r>
+          </a:p>
+        </p:txBody>
+      </p:sp>
+      <p:sp>
+        <p:nvSpPr>
+          <p:cNvPr id="3" name="내용 개체 틀 2">
+            <a:extLst>
+              <a:ext uri="{FF2B5EF4-FFF2-40B4-BE49-F238E27FC236}">
+                <a16:creationId xmlns:a16="http://schemas.microsoft.com/office/drawing/2014/main" id="{DC7B0CA5-7C14-4A9C-8944-02BBC91D9D85}"/>
+              </a:ext>
+            </a:extLst>
+          </p:cNvPr>
+          <p:cNvSpPr>
+            <a:spLocks noGrp="1"/>
+          </p:cNvSpPr>
+          <p:nvPr>
+            <p:ph idx="1"/>
+          </p:nvPr>
+        </p:nvSpPr>
+        <p:spPr/>
+        <p:txBody>
+          <a:bodyPr>
+            <a:normAutofit fontScale="92500" lnSpcReduction="10000"/>
+          </a:bodyPr>
+          <a:lstStyle/>
+          <a:p>
+            <a:r>
+              <a:rPr lang="ko-KR" altLang="en-US" dirty="0"/>
+              <a:t>의사결정 세부설명 이후 차례</a:t>
+            </a:r>
+            <a:endParaRPr lang="en-US" altLang="ko-KR" dirty="0"/>
+          </a:p>
+          <a:p>
+            <a:r>
+              <a:rPr lang="ko-KR" altLang="en-US" dirty="0"/>
+              <a:t>지식생성 설명</a:t>
+            </a:r>
+            <a:endParaRPr lang="en-US" altLang="ko-KR" dirty="0"/>
+          </a:p>
+          <a:p>
+            <a:endParaRPr lang="en-US" altLang="ko-KR" dirty="0"/>
+          </a:p>
+          <a:p>
+            <a:r>
+              <a:rPr lang="ko-KR" altLang="en-US" dirty="0"/>
+              <a:t>게임은 연속적</a:t>
+            </a:r>
+            <a:r>
+              <a:rPr lang="en-US" altLang="ko-KR" dirty="0"/>
+              <a:t>(</a:t>
+            </a:r>
+            <a:r>
+              <a:rPr lang="ko-KR" altLang="en-US" dirty="0"/>
+              <a:t>하지만 사실은 엄청 빠른 이산</a:t>
+            </a:r>
+            <a:r>
+              <a:rPr lang="en-US" altLang="ko-KR" dirty="0"/>
+              <a:t>)</a:t>
+            </a:r>
+          </a:p>
+          <a:p>
+            <a:pPr lvl="1"/>
+            <a:r>
+              <a:rPr lang="en-US" altLang="ko-KR" dirty="0">
+                <a:hlinkClick r:id="rId2"/>
+              </a:rPr>
+              <a:t>https://www.youtube.com/watch?v=Be655RetuM0</a:t>
+            </a:r>
+            <a:endParaRPr lang="en-US" altLang="ko-KR" dirty="0"/>
+          </a:p>
+          <a:p>
+            <a:r>
+              <a:rPr lang="ko-KR" altLang="en-US" dirty="0"/>
+              <a:t>바둑이나 체스처럼 환경을 상태데이터로 만들고 수를 예측하기에는 짧은 시간</a:t>
+            </a:r>
+            <a:endParaRPr lang="en-US" altLang="ko-KR" dirty="0"/>
+          </a:p>
+          <a:p>
+            <a:endParaRPr lang="en-US" altLang="ko-KR" dirty="0"/>
+          </a:p>
+          <a:p>
+            <a:r>
+              <a:rPr lang="ko-KR" altLang="en-US" dirty="0"/>
+              <a:t>한정된 자원</a:t>
+            </a:r>
+            <a:r>
+              <a:rPr lang="en-US" altLang="ko-KR" dirty="0"/>
+              <a:t>(</a:t>
+            </a:r>
+            <a:r>
+              <a:rPr lang="ko-KR" altLang="en-US" dirty="0"/>
+              <a:t>시간</a:t>
+            </a:r>
+            <a:r>
+              <a:rPr lang="en-US" altLang="ko-KR" dirty="0"/>
+              <a:t>, </a:t>
+            </a:r>
+            <a:r>
+              <a:rPr lang="ko-KR" altLang="en-US" dirty="0"/>
+              <a:t>연산</a:t>
+            </a:r>
+            <a:r>
+              <a:rPr lang="en-US" altLang="ko-KR" dirty="0"/>
+              <a:t>) &amp; </a:t>
+            </a:r>
+            <a:r>
+              <a:rPr lang="ko-KR" altLang="en-US" dirty="0"/>
+              <a:t>엄청난 양의 정보 </a:t>
+            </a:r>
+            <a:r>
+              <a:rPr lang="en-US" altLang="ko-KR" dirty="0"/>
+              <a:t>&amp; </a:t>
+            </a:r>
+            <a:r>
+              <a:rPr lang="ko-KR" altLang="en-US" dirty="0"/>
+              <a:t>중복되는 정보 저장</a:t>
+            </a:r>
+            <a:endParaRPr lang="en-US" altLang="ko-KR" dirty="0"/>
+          </a:p>
+          <a:p>
+            <a:pPr lvl="1"/>
+            <a:r>
+              <a:rPr lang="en-US" altLang="ko-KR" dirty="0"/>
+              <a:t>-&gt; </a:t>
+            </a:r>
+            <a:r>
+              <a:rPr lang="ko-KR" altLang="en-US" dirty="0"/>
+              <a:t>블랙보드 </a:t>
+            </a:r>
+            <a:r>
+              <a:rPr lang="ko-KR" altLang="en-US" dirty="0" err="1"/>
+              <a:t>아키텍쳐</a:t>
+            </a:r>
+            <a:endParaRPr lang="en-US" altLang="ko-KR" dirty="0"/>
+          </a:p>
+        </p:txBody>
+      </p:sp>
+    </p:spTree>
+    <p:extLst>
+      <p:ext uri="{BB962C8B-B14F-4D97-AF65-F5344CB8AC3E}">
+        <p14:creationId xmlns:p14="http://schemas.microsoft.com/office/powerpoint/2010/main" val="4181087002"/>
+      </p:ext>
+    </p:extLst>
+  </p:cSld>
+  <p:clrMapOvr>
+    <a:masterClrMapping/>
+  </p:clrMapOvr>
+</p:sld>
+</file>
+
+<file path=ppt/slides/slide7.xml><?xml version="1.0" encoding="utf-8"?>
+<p:sld xmlns:a="http://schemas.openxmlformats.org/drawingml/2006/main" xmlns:r="http://schemas.openxmlformats.org/officeDocument/2006/relationships" xmlns:p="http://schemas.openxmlformats.org/presentationml/2006/main">
+  <p:cSld>
+    <p:spTree>
+      <p:nvGrpSpPr>
+        <p:cNvPr id="1" name=""/>
+        <p:cNvGrpSpPr/>
+        <p:nvPr/>
+      </p:nvGrpSpPr>
+      <p:grpSpPr>
+        <a:xfrm>
+          <a:off x="0" y="0"/>
+          <a:ext cx="0" cy="0"/>
+          <a:chOff x="0" y="0"/>
+          <a:chExt cx="0" cy="0"/>
+        </a:xfrm>
+      </p:grpSpPr>
+      <p:sp>
+        <p:nvSpPr>
+          <p:cNvPr id="2" name="제목 1">
+            <a:extLst>
+              <a:ext uri="{FF2B5EF4-FFF2-40B4-BE49-F238E27FC236}">
+                <a16:creationId xmlns:a16="http://schemas.microsoft.com/office/drawing/2014/main" id="{202DDF40-B8C2-494E-8430-737C955D616F}"/>
+              </a:ext>
+            </a:extLst>
+          </p:cNvPr>
+          <p:cNvSpPr>
+            <a:spLocks noGrp="1"/>
+          </p:cNvSpPr>
+          <p:nvPr>
+            <p:ph type="title"/>
+          </p:nvPr>
+        </p:nvSpPr>
+        <p:spPr/>
+        <p:txBody>
+          <a:bodyPr/>
+          <a:lstStyle/>
+          <a:p>
+            <a:r>
+              <a:rPr lang="ko-KR" altLang="en-US" dirty="0"/>
+              <a:t>순서</a:t>
+            </a:r>
+          </a:p>
+        </p:txBody>
+      </p:sp>
+      <p:sp>
+        <p:nvSpPr>
+          <p:cNvPr id="3" name="내용 개체 틀 2">
+            <a:extLst>
+              <a:ext uri="{FF2B5EF4-FFF2-40B4-BE49-F238E27FC236}">
+                <a16:creationId xmlns:a16="http://schemas.microsoft.com/office/drawing/2014/main" id="{60AE6E96-DBC4-44BC-9488-0332A89481BA}"/>
+              </a:ext>
+            </a:extLst>
+          </p:cNvPr>
+          <p:cNvSpPr>
+            <a:spLocks noGrp="1"/>
+          </p:cNvSpPr>
+          <p:nvPr>
+            <p:ph idx="1"/>
+          </p:nvPr>
+        </p:nvSpPr>
+        <p:spPr/>
+        <p:txBody>
+          <a:bodyPr>
+            <a:normAutofit fontScale="92500" lnSpcReduction="20000"/>
+          </a:bodyPr>
+          <a:lstStyle/>
+          <a:p>
+            <a:r>
+              <a:rPr lang="en-US" altLang="ko-KR" dirty="0"/>
+              <a:t>IN </a:t>
+            </a:r>
+            <a:r>
+              <a:rPr lang="ko-KR" altLang="en-US" dirty="0" err="1"/>
+              <a:t>민용님</a:t>
+            </a:r>
+            <a:r>
+              <a:rPr lang="ko-KR" altLang="en-US" dirty="0"/>
+              <a:t> </a:t>
+            </a:r>
+            <a:r>
+              <a:rPr lang="en-US" altLang="ko-KR" dirty="0"/>
+              <a:t>– </a:t>
+            </a:r>
+            <a:r>
+              <a:rPr lang="ko-KR" altLang="en-US" dirty="0"/>
+              <a:t>의사결정 모델</a:t>
+            </a:r>
+            <a:endParaRPr lang="en-US" altLang="ko-KR" dirty="0"/>
+          </a:p>
+          <a:p>
+            <a:endParaRPr lang="en-US" altLang="ko-KR" dirty="0"/>
+          </a:p>
+          <a:p>
+            <a:r>
+              <a:rPr lang="ko-KR" altLang="en-US" dirty="0"/>
+              <a:t>로봇공학 공통점</a:t>
+            </a:r>
+            <a:endParaRPr lang="en-US" altLang="ko-KR" dirty="0"/>
+          </a:p>
+          <a:p>
+            <a:pPr lvl="1"/>
+            <a:r>
+              <a:rPr lang="ko-KR" altLang="en-US" dirty="0"/>
+              <a:t>차이점</a:t>
+            </a:r>
+            <a:endParaRPr lang="en-US" altLang="ko-KR" dirty="0"/>
+          </a:p>
+          <a:p>
+            <a:pPr lvl="1"/>
+            <a:endParaRPr lang="en-US" altLang="ko-KR" dirty="0"/>
+          </a:p>
+          <a:p>
+            <a:r>
+              <a:rPr lang="ko-KR" altLang="en-US" dirty="0"/>
+              <a:t>에이전트 모델 게임으로 설명 </a:t>
+            </a:r>
+            <a:endParaRPr lang="en-US" altLang="ko-KR" dirty="0"/>
+          </a:p>
+          <a:p>
+            <a:pPr lvl="1"/>
+            <a:r>
+              <a:rPr lang="en-US" altLang="ko-KR" dirty="0"/>
+              <a:t>(</a:t>
+            </a:r>
+            <a:r>
+              <a:rPr lang="ko-KR" altLang="en-US" dirty="0"/>
+              <a:t>센서 </a:t>
+            </a:r>
+            <a:r>
+              <a:rPr lang="ko-KR" altLang="en-US" dirty="0" err="1"/>
+              <a:t>레이캐스트</a:t>
+            </a:r>
+            <a:r>
+              <a:rPr lang="en-US" altLang="ko-KR" dirty="0"/>
+              <a:t>, </a:t>
+            </a:r>
+            <a:r>
+              <a:rPr lang="ko-KR" altLang="en-US" dirty="0"/>
+              <a:t>지식생성 데이터 갈무리</a:t>
+            </a:r>
+            <a:r>
+              <a:rPr lang="en-US" altLang="ko-KR" dirty="0"/>
+              <a:t>)</a:t>
+            </a:r>
+          </a:p>
+          <a:p>
+            <a:endParaRPr lang="en-US" altLang="ko-KR" dirty="0"/>
+          </a:p>
+          <a:p>
+            <a:r>
+              <a:rPr lang="en-US" altLang="ko-KR" u="sng" dirty="0"/>
+              <a:t> </a:t>
+            </a:r>
+            <a:r>
+              <a:rPr lang="ko-KR" altLang="en-US" b="1" u="sng" dirty="0"/>
+              <a:t>지식생성</a:t>
+            </a:r>
+            <a:endParaRPr lang="en-US" altLang="ko-KR" dirty="0"/>
+          </a:p>
+          <a:p>
+            <a:endParaRPr lang="en-US" altLang="ko-KR" dirty="0"/>
+          </a:p>
+          <a:p>
+            <a:r>
+              <a:rPr lang="en-US" altLang="ko-KR" dirty="0"/>
+              <a:t>OUT </a:t>
+            </a:r>
+            <a:r>
+              <a:rPr lang="ko-KR" altLang="en-US" dirty="0"/>
+              <a:t>민석님 </a:t>
+            </a:r>
+            <a:r>
+              <a:rPr lang="en-US" altLang="ko-KR" dirty="0"/>
+              <a:t>- </a:t>
+            </a:r>
+            <a:r>
+              <a:rPr lang="ko-KR" altLang="en-US" dirty="0"/>
+              <a:t>블랙보드</a:t>
+            </a:r>
+          </a:p>
+        </p:txBody>
+      </p:sp>
+    </p:spTree>
+    <p:extLst>
+      <p:ext uri="{BB962C8B-B14F-4D97-AF65-F5344CB8AC3E}">
+        <p14:creationId xmlns:p14="http://schemas.microsoft.com/office/powerpoint/2010/main" val="3583145336"/>
+      </p:ext>
+    </p:extLst>
+  </p:cSld>
+  <p:clrMapOvr>
+    <a:masterClrMapping/>
+  </p:clrMapOvr>
+</p:sld>
+</file>
+
+<file path=ppt/slides/slide8.xml><?xml version="1.0" encoding="utf-8"?>
+<p:sld xmlns:a="http://schemas.openxmlformats.org/drawingml/2006/main" xmlns:r="http://schemas.openxmlformats.org/officeDocument/2006/relationships" xmlns:p="http://schemas.openxmlformats.org/presentationml/2006/main">
+  <p:cSld>
+    <p:spTree>
+      <p:nvGrpSpPr>
+        <p:cNvPr id="1" name=""/>
+        <p:cNvGrpSpPr/>
+        <p:nvPr/>
+      </p:nvGrpSpPr>
+      <p:grpSpPr>
+        <a:xfrm>
+          <a:off x="0" y="0"/>
+          <a:ext cx="0" cy="0"/>
+          <a:chOff x="0" y="0"/>
+          <a:chExt cx="0" cy="0"/>
+        </a:xfrm>
+      </p:grpSpPr>
+      <p:sp>
+        <p:nvSpPr>
+          <p:cNvPr id="2" name="제목 1">
+            <a:extLst>
+              <a:ext uri="{FF2B5EF4-FFF2-40B4-BE49-F238E27FC236}">
+                <a16:creationId xmlns:a16="http://schemas.microsoft.com/office/drawing/2014/main" id="{EEEF449D-3609-43FB-B8CB-FE99E588C9F9}"/>
+              </a:ext>
+            </a:extLst>
+          </p:cNvPr>
+          <p:cNvSpPr>
+            <a:spLocks noGrp="1"/>
+          </p:cNvSpPr>
+          <p:nvPr>
+            <p:ph type="title"/>
+          </p:nvPr>
+        </p:nvSpPr>
+        <p:spPr/>
+        <p:txBody>
+          <a:bodyPr/>
+          <a:lstStyle/>
+          <a:p>
+            <a:endParaRPr lang="ko-KR" altLang="en-US"/>
+          </a:p>
+        </p:txBody>
+      </p:sp>
+      <p:sp>
+        <p:nvSpPr>
+          <p:cNvPr id="3" name="내용 개체 틀 2">
+            <a:extLst>
+              <a:ext uri="{FF2B5EF4-FFF2-40B4-BE49-F238E27FC236}">
+                <a16:creationId xmlns:a16="http://schemas.microsoft.com/office/drawing/2014/main" id="{C6078EEC-9EB0-44AC-BD46-643DF0797A67}"/>
+              </a:ext>
+            </a:extLst>
+          </p:cNvPr>
+          <p:cNvSpPr>
+            <a:spLocks noGrp="1"/>
+          </p:cNvSpPr>
+          <p:nvPr>
+            <p:ph idx="1"/>
+          </p:nvPr>
+        </p:nvSpPr>
+        <p:spPr/>
+        <p:txBody>
+          <a:bodyPr/>
+          <a:lstStyle/>
+          <a:p>
+            <a:r>
+              <a:rPr lang="ko-KR" altLang="en-US" dirty="0"/>
+              <a:t>연속 </a:t>
+            </a:r>
+            <a:r>
+              <a:rPr lang="ko-KR" altLang="en-US" dirty="0" err="1"/>
+              <a:t>보단</a:t>
+            </a:r>
+            <a:r>
+              <a:rPr lang="ko-KR" altLang="en-US" dirty="0"/>
+              <a:t> </a:t>
+            </a:r>
+            <a:r>
+              <a:rPr lang="en-US" altLang="ko-KR" dirty="0"/>
+              <a:t>=&gt; </a:t>
+            </a:r>
+            <a:r>
+              <a:rPr lang="ko-KR" altLang="en-US" dirty="0"/>
+              <a:t>다룰 데이터</a:t>
+            </a:r>
+          </a:p>
+        </p:txBody>
+      </p:sp>
+    </p:spTree>
+    <p:extLst>
+      <p:ext uri="{BB962C8B-B14F-4D97-AF65-F5344CB8AC3E}">
+        <p14:creationId xmlns:p14="http://schemas.microsoft.com/office/powerpoint/2010/main" val="841196690"/>
       </p:ext>
     </p:extLst>
   </p:cSld>

--- a/Saturday/Oct30.pptx
+++ b/Saturday/Oct30.pptx
@@ -216,7 +216,7 @@
             <a:pPr rtl="0"/>
             <a:fld id="{73FBC770-403E-475E-A2E3-1C80C0FB0423}" type="datetime1">
               <a:rPr lang="ko-KR" altLang="en-US" smtClean="0"/>
-              <a:t>2021-10-28</a:t>
+              <a:t>2021-10-29</a:t>
             </a:fld>
             <a:endParaRPr lang="en-US"/>
           </a:p>
@@ -386,7 +386,7 @@
             <a:pPr rtl="0"/>
             <a:fld id="{B0DBFD7B-1402-401C-B286-54B893D03A4C}" type="datetime1">
               <a:rPr lang="ko-KR" altLang="en-US" smtClean="0"/>
-              <a:t>2021-10-28</a:t>
+              <a:t>2021-10-29</a:t>
             </a:fld>
             <a:endParaRPr lang="en-US"/>
           </a:p>
@@ -910,7 +910,7 @@
           <a:p>
             <a:fld id="{B16F60C3-5F0E-4C74-8A10-3C6342DF72CE}" type="datetime1">
               <a:rPr lang="ko-KR" altLang="en-US" smtClean="0"/>
-              <a:t>2021-10-28</a:t>
+              <a:t>2021-10-29</a:t>
             </a:fld>
             <a:endParaRPr lang="en-US" dirty="0"/>
           </a:p>
@@ -1158,7 +1158,7 @@
           <a:p>
             <a:fld id="{52D5A49B-9191-4DEB-A0F8-7CA9C61B9C19}" type="datetime1">
               <a:rPr lang="ko-KR" altLang="en-US" smtClean="0"/>
-              <a:t>2021-10-28</a:t>
+              <a:t>2021-10-29</a:t>
             </a:fld>
             <a:endParaRPr lang="en-US" dirty="0"/>
           </a:p>
@@ -1576,7 +1576,7 @@
           <a:p>
             <a:fld id="{0083EC3D-47E3-4D28-BD42-E64EB1B25696}" type="datetime1">
               <a:rPr lang="ko-KR" altLang="en-US" smtClean="0"/>
-              <a:t>2021-10-28</a:t>
+              <a:t>2021-10-29</a:t>
             </a:fld>
             <a:endParaRPr lang="en-US" dirty="0"/>
           </a:p>
@@ -1835,7 +1835,7 @@
           <a:p>
             <a:fld id="{4500B84B-3C5C-49DE-A4B3-1562819E64F9}" type="datetime1">
               <a:rPr lang="ko-KR" altLang="en-US" smtClean="0"/>
-              <a:t>2021-10-28</a:t>
+              <a:t>2021-10-29</a:t>
             </a:fld>
             <a:endParaRPr lang="en-US" dirty="0"/>
           </a:p>
@@ -2174,7 +2174,7 @@
           <a:p>
             <a:fld id="{06F418F7-86C1-49FF-AD10-315C89EABDB6}" type="datetime1">
               <a:rPr lang="ko-KR" altLang="en-US" smtClean="0"/>
-              <a:t>2021-10-28</a:t>
+              <a:t>2021-10-29</a:t>
             </a:fld>
             <a:endParaRPr lang="en-US" dirty="0"/>
           </a:p>
@@ -2519,7 +2519,7 @@
           <a:p>
             <a:fld id="{FE75DD57-A933-4CF7-BD22-DDB2380C1618}" type="datetime1">
               <a:rPr lang="ko-KR" altLang="en-US" smtClean="0"/>
-              <a:t>2021-10-28</a:t>
+              <a:t>2021-10-29</a:t>
             </a:fld>
             <a:endParaRPr lang="en-US" dirty="0"/>
           </a:p>
@@ -3037,7 +3037,7 @@
           <a:p>
             <a:fld id="{83833429-AC63-412A-AA05-50A0CAB567A8}" type="datetime1">
               <a:rPr lang="ko-KR" altLang="en-US" smtClean="0"/>
-              <a:t>2021-10-28</a:t>
+              <a:t>2021-10-29</a:t>
             </a:fld>
             <a:endParaRPr lang="en-US" dirty="0"/>
           </a:p>
@@ -3190,7 +3190,7 @@
           <a:p>
             <a:fld id="{2AFB61CE-22F1-4937-8687-025B237EBB03}" type="datetime1">
               <a:rPr lang="ko-KR" altLang="en-US" smtClean="0"/>
-              <a:t>2021-10-28</a:t>
+              <a:t>2021-10-29</a:t>
             </a:fld>
             <a:endParaRPr lang="en-US" dirty="0"/>
           </a:p>
@@ -3307,7 +3307,7 @@
           <a:p>
             <a:fld id="{734FC7D7-0958-47C3-9C09-A6A48B7FD496}" type="datetime1">
               <a:rPr lang="ko-KR" altLang="en-US" smtClean="0"/>
-              <a:t>2021-10-28</a:t>
+              <a:t>2021-10-29</a:t>
             </a:fld>
             <a:endParaRPr lang="en-US" dirty="0"/>
           </a:p>
@@ -3721,7 +3721,7 @@
           <a:p>
             <a:fld id="{DBE2D092-1E7F-4E5E-8EFE-840944FCD807}" type="datetime1">
               <a:rPr lang="ko-KR" altLang="en-US" smtClean="0"/>
-              <a:t>2021-10-28</a:t>
+              <a:t>2021-10-29</a:t>
             </a:fld>
             <a:endParaRPr lang="en-US" dirty="0"/>
           </a:p>
@@ -4045,7 +4045,7 @@
           <a:p>
             <a:fld id="{C73D0BD8-2627-4610-A2CF-D0CA0958F2F4}" type="datetime1">
               <a:rPr lang="ko-KR" altLang="en-US" smtClean="0"/>
-              <a:t>2021-10-28</a:t>
+              <a:t>2021-10-29</a:t>
             </a:fld>
             <a:endParaRPr lang="en-US" dirty="0"/>
           </a:p>
@@ -4277,7 +4277,7 @@
           <a:p>
             <a:fld id="{011EA711-EE13-4EC1-AA96-434F5207432A}" type="datetime1">
               <a:rPr lang="ko-KR" altLang="en-US" smtClean="0"/>
-              <a:t>2021-10-28</a:t>
+              <a:t>2021-10-29</a:t>
             </a:fld>
             <a:endParaRPr lang="en-US" dirty="0"/>
           </a:p>
@@ -4975,34 +4975,17 @@
           <a:p>
             <a:r>
               <a:rPr lang="ko-KR" altLang="en-US" dirty="0"/>
-              <a:t>에이전트 모델이 게임에서 적용된 이유</a:t>
-            </a:r>
-            <a:r>
-              <a:rPr lang="en-US" altLang="ko-KR" dirty="0"/>
-              <a:t>?</a:t>
-            </a:r>
-          </a:p>
-          <a:p>
-            <a:pPr lvl="1"/>
+              <a:t>에이전트 모델의 시작점</a:t>
+            </a:r>
+            <a:endParaRPr lang="en-US" altLang="ko-KR" dirty="0"/>
+          </a:p>
+          <a:p>
+            <a:endParaRPr lang="en-US" altLang="ko-KR" dirty="0"/>
+          </a:p>
+          <a:p>
             <a:r>
               <a:rPr lang="ko-KR" altLang="en-US" dirty="0"/>
-              <a:t>에이전트 모델의 시작점</a:t>
-            </a:r>
-            <a:endParaRPr lang="en-US" altLang="ko-KR" dirty="0"/>
-          </a:p>
-          <a:p>
-            <a:pPr lvl="1"/>
-            <a:r>
-              <a:rPr lang="ko-KR" altLang="en-US" dirty="0"/>
-              <a:t>실시간 행동</a:t>
-            </a:r>
-            <a:endParaRPr lang="en-US" altLang="ko-KR" dirty="0"/>
-          </a:p>
-          <a:p>
-            <a:pPr lvl="1"/>
-            <a:r>
-              <a:rPr lang="ko-KR" altLang="en-US" dirty="0"/>
-              <a:t>핵심요소</a:t>
+              <a:t>겹치는 핵심요소</a:t>
             </a:r>
             <a:endParaRPr lang="en-US" altLang="ko-KR" dirty="0"/>
           </a:p>
@@ -5252,12 +5235,16 @@
               <a:t>, </a:t>
             </a:r>
             <a:r>
-              <a:rPr lang="ko-KR" altLang="en-US" dirty="0" err="1"/>
-              <a:t>체스같이는</a:t>
-            </a:r>
-            <a:r>
               <a:rPr lang="ko-KR" altLang="en-US" dirty="0"/>
-              <a:t> 불가능 </a:t>
+              <a:t>체스와</a:t>
+            </a:r>
+            <a:r>
+              <a:rPr lang="en-US" altLang="ko-KR" dirty="0"/>
+              <a:t> </a:t>
+            </a:r>
+            <a:r>
+              <a:rPr lang="ko-KR" altLang="en-US" dirty="0"/>
+              <a:t>같이는 불가능 </a:t>
             </a:r>
             <a:r>
               <a:rPr lang="en-US" altLang="ko-KR" dirty="0"/>
@@ -5277,35 +5264,100 @@
           </a:p>
         </p:txBody>
       </p:sp>
-      <p:sp>
-        <p:nvSpPr>
-          <p:cNvPr id="4" name="날짜 개체 틀 3">
+      <p:pic>
+        <p:nvPicPr>
+          <p:cNvPr id="1026" name="Picture 2" descr="Active Time Battle Drives Me Crazy – Shrugblog">
             <a:extLst>
               <a:ext uri="{FF2B5EF4-FFF2-40B4-BE49-F238E27FC236}">
-                <a16:creationId xmlns:a16="http://schemas.microsoft.com/office/drawing/2014/main" id="{855090A3-AA1E-4EBD-B684-C6A5EE236839}"/>
+                <a16:creationId xmlns:a16="http://schemas.microsoft.com/office/drawing/2014/main" id="{047DA9E2-2698-47E2-95D4-45A2828D209D}"/>
               </a:ext>
             </a:extLst>
           </p:cNvPr>
-          <p:cNvSpPr>
-            <a:spLocks noGrp="1"/>
-          </p:cNvSpPr>
-          <p:nvPr>
-            <p:ph type="dt" sz="half" idx="10"/>
-          </p:nvPr>
-        </p:nvSpPr>
-        <p:spPr/>
-        <p:txBody>
-          <a:bodyPr/>
-          <a:lstStyle/>
-          <a:p>
-            <a:fld id="{4500B84B-3C5C-49DE-A4B3-1562819E64F9}" type="datetime1">
-              <a:rPr lang="ko-KR" altLang="en-US" smtClean="0"/>
-              <a:t>2021-10-28</a:t>
-            </a:fld>
-            <a:endParaRPr lang="en-US" dirty="0"/>
-          </a:p>
-        </p:txBody>
-      </p:sp>
+          <p:cNvPicPr>
+            <a:picLocks noChangeAspect="1" noChangeArrowheads="1"/>
+          </p:cNvPicPr>
+          <p:nvPr/>
+        </p:nvPicPr>
+        <p:blipFill>
+          <a:blip r:embed="rId3">
+            <a:extLst>
+              <a:ext uri="{28A0092B-C50C-407E-A947-70E740481C1C}">
+                <a14:useLocalDpi xmlns:a14="http://schemas.microsoft.com/office/drawing/2010/main" val="0"/>
+              </a:ext>
+            </a:extLst>
+          </a:blip>
+          <a:srcRect/>
+          <a:stretch>
+            <a:fillRect/>
+          </a:stretch>
+        </p:blipFill>
+        <p:spPr bwMode="auto">
+          <a:xfrm>
+            <a:off x="6166616" y="1163370"/>
+            <a:ext cx="2381250" cy="1905000"/>
+          </a:xfrm>
+          <a:prstGeom prst="rect">
+            <a:avLst/>
+          </a:prstGeom>
+          <a:noFill/>
+          <a:extLst>
+            <a:ext uri="{909E8E84-426E-40DD-AFC4-6F175D3DCCD1}">
+              <a14:hiddenFill xmlns:a14="http://schemas.microsoft.com/office/drawing/2010/main">
+                <a:solidFill>
+                  <a:srgbClr val="FFFFFF"/>
+                </a:solidFill>
+              </a14:hiddenFill>
+            </a:ext>
+          </a:extLst>
+        </p:spPr>
+      </p:pic>
+      <p:pic>
+        <p:nvPicPr>
+          <p:cNvPr id="1030" name="Picture 6" descr="Chrono Trigger Battle System - Rings &amp; Coins">
+            <a:extLst>
+              <a:ext uri="{FF2B5EF4-FFF2-40B4-BE49-F238E27FC236}">
+                <a16:creationId xmlns:a16="http://schemas.microsoft.com/office/drawing/2014/main" id="{EB9398DF-5907-4367-B55F-AA571293CFE8}"/>
+              </a:ext>
+            </a:extLst>
+          </p:cNvPr>
+          <p:cNvPicPr>
+            <a:picLocks noChangeAspect="1" noChangeArrowheads="1"/>
+          </p:cNvPicPr>
+          <p:nvPr/>
+        </p:nvPicPr>
+        <p:blipFill>
+          <a:blip r:embed="rId4">
+            <a:extLst>
+              <a:ext uri="{28A0092B-C50C-407E-A947-70E740481C1C}">
+                <a14:useLocalDpi xmlns:a14="http://schemas.microsoft.com/office/drawing/2010/main" val="0"/>
+              </a:ext>
+            </a:extLst>
+          </a:blip>
+          <a:srcRect/>
+          <a:stretch>
+            <a:fillRect/>
+          </a:stretch>
+        </p:blipFill>
+        <p:spPr bwMode="auto">
+          <a:xfrm>
+            <a:off x="9115097" y="1163370"/>
+            <a:ext cx="2381250" cy="1905000"/>
+          </a:xfrm>
+          <a:prstGeom prst="rect">
+            <a:avLst/>
+          </a:prstGeom>
+          <a:noFill/>
+          <a:extLst>
+            <a:ext uri="{909E8E84-426E-40DD-AFC4-6F175D3DCCD1}">
+              <a14:hiddenFill xmlns:a14="http://schemas.microsoft.com/office/drawing/2010/main">
+                <a:solidFill>
+                  <a:srgbClr val="FFFFFF"/>
+                </a:solidFill>
+              </a14:hiddenFill>
+            </a:ext>
+          </a:extLst>
+        </p:spPr>
+      </p:pic>
     </p:spTree>
     <p:extLst>
       <p:ext uri="{BB962C8B-B14F-4D97-AF65-F5344CB8AC3E}">
@@ -5459,35 +5511,6 @@
           </a:p>
           <a:p>
             <a:endParaRPr lang="ko-KR" altLang="en-US" dirty="0"/>
-          </a:p>
-        </p:txBody>
-      </p:sp>
-      <p:sp>
-        <p:nvSpPr>
-          <p:cNvPr id="4" name="날짜 개체 틀 3">
-            <a:extLst>
-              <a:ext uri="{FF2B5EF4-FFF2-40B4-BE49-F238E27FC236}">
-                <a16:creationId xmlns:a16="http://schemas.microsoft.com/office/drawing/2014/main" id="{87090897-F4DF-46EC-BC0F-B4FC97FC2951}"/>
-              </a:ext>
-            </a:extLst>
-          </p:cNvPr>
-          <p:cNvSpPr>
-            <a:spLocks noGrp="1"/>
-          </p:cNvSpPr>
-          <p:nvPr>
-            <p:ph type="dt" sz="half" idx="10"/>
-          </p:nvPr>
-        </p:nvSpPr>
-        <p:spPr/>
-        <p:txBody>
-          <a:bodyPr/>
-          <a:lstStyle/>
-          <a:p>
-            <a:fld id="{4500B84B-3C5C-49DE-A4B3-1562819E64F9}" type="datetime1">
-              <a:rPr lang="ko-KR" altLang="en-US" smtClean="0"/>
-              <a:t>2021-10-28</a:t>
-            </a:fld>
-            <a:endParaRPr lang="en-US" dirty="0"/>
           </a:p>
         </p:txBody>
       </p:sp>
@@ -5892,7 +5915,7 @@
         </p:blipFill>
         <p:spPr bwMode="auto">
           <a:xfrm>
-            <a:off x="7866138" y="2276723"/>
+            <a:off x="6636427" y="1890876"/>
             <a:ext cx="3448050" cy="1333500"/>
           </a:xfrm>
           <a:prstGeom prst="rect">
@@ -5939,7 +5962,7 @@
         </p:blipFill>
         <p:spPr bwMode="auto">
           <a:xfrm>
-            <a:off x="4464147" y="7104313"/>
+            <a:off x="4464147" y="7238320"/>
             <a:ext cx="3263704" cy="3228035"/>
           </a:xfrm>
           <a:prstGeom prst="rect">
@@ -6159,11 +6182,7 @@
           <a:p>
             <a:r>
               <a:rPr lang="en-US" altLang="ko-KR" dirty="0"/>
-              <a:t>ex) </a:t>
-            </a:r>
-            <a:r>
-              <a:rPr lang="en-US" altLang="ko-KR" dirty="0" err="1"/>
-              <a:t>rc</a:t>
+              <a:t>ex) RC</a:t>
             </a:r>
             <a:r>
               <a:rPr lang="ko-KR" altLang="en-US" dirty="0" err="1"/>
@@ -6176,6 +6195,9 @@
             <a:endParaRPr lang="en-US" altLang="ko-KR" dirty="0"/>
           </a:p>
           <a:p>
+            <a:endParaRPr lang="en-US" altLang="ko-KR" dirty="0"/>
+          </a:p>
+          <a:p>
             <a:r>
               <a:rPr lang="ko-KR" altLang="en-US" dirty="0"/>
               <a:t>로봇은 센서를 통해 세상의 일부를 접함</a:t>
@@ -6234,35 +6256,6 @@
           </a:p>
           <a:p>
             <a:endParaRPr lang="ko-KR" altLang="en-US" dirty="0"/>
-          </a:p>
-        </p:txBody>
-      </p:sp>
-      <p:sp>
-        <p:nvSpPr>
-          <p:cNvPr id="4" name="날짜 개체 틀 3">
-            <a:extLst>
-              <a:ext uri="{FF2B5EF4-FFF2-40B4-BE49-F238E27FC236}">
-                <a16:creationId xmlns:a16="http://schemas.microsoft.com/office/drawing/2014/main" id="{2D674358-039D-4243-BE19-BBFDCBAF4C24}"/>
-              </a:ext>
-            </a:extLst>
-          </p:cNvPr>
-          <p:cNvSpPr>
-            <a:spLocks noGrp="1"/>
-          </p:cNvSpPr>
-          <p:nvPr>
-            <p:ph type="dt" sz="half" idx="10"/>
-          </p:nvPr>
-        </p:nvSpPr>
-        <p:spPr/>
-        <p:txBody>
-          <a:bodyPr/>
-          <a:lstStyle/>
-          <a:p>
-            <a:fld id="{4500B84B-3C5C-49DE-A4B3-1562819E64F9}" type="datetime1">
-              <a:rPr lang="ko-KR" altLang="en-US" smtClean="0"/>
-              <a:t>2021-10-28</a:t>
-            </a:fld>
-            <a:endParaRPr lang="en-US" dirty="0"/>
           </a:p>
         </p:txBody>
       </p:sp>
@@ -6280,7 +6273,7 @@
         </p:nvGrpSpPr>
         <p:grpSpPr>
           <a:xfrm>
-            <a:off x="7077323" y="3610677"/>
+            <a:off x="6761608" y="1482332"/>
             <a:ext cx="4533484" cy="1886131"/>
             <a:chOff x="1462714" y="2145821"/>
             <a:chExt cx="9266572" cy="3414094"/>
@@ -6436,12 +6429,16 @@
             <a:p>
               <a:pPr algn="ctr"/>
               <a:r>
-                <a:rPr lang="ko-KR" altLang="en-US" sz="700" dirty="0">
+                <a:rPr lang="ko-KR" altLang="en-US" sz="700">
                   <a:latin typeface="메이플스토리" panose="02000300000000000000" pitchFamily="2" charset="-127"/>
                   <a:ea typeface="메이플스토리" panose="02000300000000000000" pitchFamily="2" charset="-127"/>
                 </a:rPr>
-                <a:t>지식 생성</a:t>
+                <a:t>의사 결정</a:t>
               </a:r>
+              <a:endParaRPr lang="ko-KR" altLang="en-US" sz="700" dirty="0">
+                <a:latin typeface="메이플스토리" panose="02000300000000000000" pitchFamily="2" charset="-127"/>
+                <a:ea typeface="메이플스토리" panose="02000300000000000000" pitchFamily="2" charset="-127"/>
+              </a:endParaRPr>
             </a:p>
           </p:txBody>
         </p:sp>
@@ -6495,7 +6492,7 @@
                   <a:latin typeface="메이플스토리" panose="02000300000000000000" pitchFamily="2" charset="-127"/>
                   <a:ea typeface="메이플스토리" panose="02000300000000000000" pitchFamily="2" charset="-127"/>
                 </a:rPr>
-                <a:t>지식 생성</a:t>
+                <a:t>운동 생성</a:t>
               </a:r>
             </a:p>
           </p:txBody>
@@ -7023,15 +7020,7 @@
             </a:r>
             <a:r>
               <a:rPr lang="ko-KR" altLang="en-US" b="1" dirty="0"/>
-              <a:t>지식생성</a:t>
-            </a:r>
-            <a:r>
-              <a:rPr lang="en-US" altLang="ko-KR" b="1" dirty="0"/>
-              <a:t>, </a:t>
-            </a:r>
-            <a:r>
-              <a:rPr lang="ko-KR" altLang="en-US" b="1" dirty="0"/>
-              <a:t>의사결정이 중요</a:t>
+              <a:t>지능 모듈이 중요</a:t>
             </a:r>
             <a:br>
               <a:rPr lang="en-US" altLang="ko-KR" dirty="0"/>
@@ -7070,14 +7059,6 @@
               <a:t>, </a:t>
             </a:r>
             <a:r>
-              <a:rPr lang="ko-KR" altLang="en-US" dirty="0"/>
-              <a:t>운동생성</a:t>
-            </a:r>
-            <a:r>
-              <a:rPr lang="en-US" altLang="ko-KR" dirty="0"/>
-              <a:t>, </a:t>
-            </a:r>
-            <a:r>
               <a:rPr lang="ko-KR" altLang="en-US" dirty="0" err="1"/>
               <a:t>이펙터는</a:t>
             </a:r>
@@ -7088,6 +7069,7 @@
             <a:endParaRPr lang="en-US" altLang="ko-KR" dirty="0"/>
           </a:p>
           <a:p>
+            <a:pPr lvl="1"/>
             <a:r>
               <a:rPr lang="ko-KR" altLang="en-US" dirty="0"/>
               <a:t>게임구조 특성 상 지식생성이 운동생성보다 복잡 </a:t>
@@ -7107,35 +7089,6 @@
           </a:p>
           <a:p>
             <a:endParaRPr lang="ko-KR" altLang="en-US" dirty="0"/>
-          </a:p>
-        </p:txBody>
-      </p:sp>
-      <p:sp>
-        <p:nvSpPr>
-          <p:cNvPr id="4" name="날짜 개체 틀 3">
-            <a:extLst>
-              <a:ext uri="{FF2B5EF4-FFF2-40B4-BE49-F238E27FC236}">
-                <a16:creationId xmlns:a16="http://schemas.microsoft.com/office/drawing/2014/main" id="{51070A6A-B49D-4DCE-A928-821B1CF4518F}"/>
-              </a:ext>
-            </a:extLst>
-          </p:cNvPr>
-          <p:cNvSpPr>
-            <a:spLocks noGrp="1"/>
-          </p:cNvSpPr>
-          <p:nvPr>
-            <p:ph type="dt" sz="half" idx="10"/>
-          </p:nvPr>
-        </p:nvSpPr>
-        <p:spPr/>
-        <p:txBody>
-          <a:bodyPr/>
-          <a:lstStyle/>
-          <a:p>
-            <a:fld id="{4500B84B-3C5C-49DE-A4B3-1562819E64F9}" type="datetime1">
-              <a:rPr lang="ko-KR" altLang="en-US" smtClean="0"/>
-              <a:t>2021-10-28</a:t>
-            </a:fld>
-            <a:endParaRPr lang="en-US" dirty="0"/>
           </a:p>
         </p:txBody>
       </p:sp>
@@ -7266,6 +7219,42 @@
           </a:p>
         </p:txBody>
       </p:sp>
+      <p:pic>
+        <p:nvPicPr>
+          <p:cNvPr id="7" name="그림 6">
+            <a:extLst>
+              <a:ext uri="{FF2B5EF4-FFF2-40B4-BE49-F238E27FC236}">
+                <a16:creationId xmlns:a16="http://schemas.microsoft.com/office/drawing/2014/main" id="{1300C85E-48AD-4639-9CD0-3050C974FA97}"/>
+              </a:ext>
+            </a:extLst>
+          </p:cNvPr>
+          <p:cNvPicPr>
+            <a:picLocks noChangeAspect="1"/>
+          </p:cNvPicPr>
+          <p:nvPr/>
+        </p:nvPicPr>
+        <p:blipFill>
+          <a:blip r:embed="rId2">
+            <a:extLst>
+              <a:ext uri="{28A0092B-C50C-407E-A947-70E740481C1C}">
+                <a14:useLocalDpi xmlns:a14="http://schemas.microsoft.com/office/drawing/2010/main" val="0"/>
+              </a:ext>
+            </a:extLst>
+          </a:blip>
+          <a:stretch>
+            <a:fillRect/>
+          </a:stretch>
+        </p:blipFill>
+        <p:spPr>
+          <a:xfrm>
+            <a:off x="8433076" y="976871"/>
+            <a:ext cx="3177731" cy="5178973"/>
+          </a:xfrm>
+          <a:prstGeom prst="rect">
+            <a:avLst/>
+          </a:prstGeom>
+        </p:spPr>
+      </p:pic>
     </p:spTree>
     <p:extLst>
       <p:ext uri="{BB962C8B-B14F-4D97-AF65-F5344CB8AC3E}">
@@ -7319,12 +7308,15 @@
           <a:p>
             <a:r>
               <a:rPr lang="ko-KR" altLang="en-US" dirty="0"/>
-              <a:t>센서</a:t>
+              <a:t>센서 </a:t>
             </a:r>
             <a:r>
               <a:rPr lang="en-US" altLang="ko-KR" dirty="0"/>
               <a:t>, </a:t>
             </a:r>
+            <a:br>
+              <a:rPr lang="en-US" altLang="ko-KR" dirty="0"/>
+            </a:br>
             <a:r>
               <a:rPr lang="ko-KR" altLang="en-US" dirty="0" err="1"/>
               <a:t>이펙터</a:t>
@@ -7354,6 +7346,9 @@
           <a:bodyPr/>
           <a:lstStyle/>
           <a:p>
+            <a:endParaRPr lang="en-US" altLang="ko-KR" dirty="0"/>
+          </a:p>
+          <a:p>
             <a:r>
               <a:rPr lang="ko-KR" altLang="en-US" dirty="0"/>
               <a:t>게임과 </a:t>
@@ -7408,24 +7403,6 @@
               <a:rPr lang="ko-KR" altLang="en-US" dirty="0"/>
               <a:t>게임의 구조가 바뀌면 중요해질 가능성 有</a:t>
             </a:r>
-            <a:endParaRPr lang="en-US" altLang="ko-KR" dirty="0"/>
-          </a:p>
-          <a:p>
-            <a:pPr lvl="1"/>
-            <a:endParaRPr lang="en-US" altLang="ko-KR" dirty="0"/>
-          </a:p>
-          <a:p>
-            <a:pPr lvl="1"/>
-            <a:endParaRPr lang="en-US" altLang="ko-KR" dirty="0"/>
-          </a:p>
-          <a:p>
-            <a:r>
-              <a:rPr lang="ko-KR" altLang="en-US" b="1" u="sng" dirty="0"/>
-              <a:t>예시추가</a:t>
-            </a:r>
-            <a:endParaRPr lang="en-US" altLang="ko-KR" b="1" u="sng" dirty="0"/>
-          </a:p>
-          <a:p>
             <a:endParaRPr lang="en-US" altLang="ko-KR" dirty="0"/>
           </a:p>
           <a:p>
@@ -7450,7 +7427,7 @@
         </p:nvGrpSpPr>
         <p:grpSpPr>
           <a:xfrm>
-            <a:off x="7077323" y="882650"/>
+            <a:off x="3240000" y="900000"/>
             <a:ext cx="4533484" cy="1886131"/>
             <a:chOff x="1462714" y="2145821"/>
             <a:chExt cx="9266572" cy="3414094"/>
@@ -7610,7 +7587,7 @@
                   <a:latin typeface="메이플스토리" panose="02000300000000000000" pitchFamily="2" charset="-127"/>
                   <a:ea typeface="메이플스토리" panose="02000300000000000000" pitchFamily="2" charset="-127"/>
                 </a:rPr>
-                <a:t>지식 생성</a:t>
+                <a:t>의사 결정</a:t>
               </a:r>
             </a:p>
           </p:txBody>
@@ -7665,7 +7642,7 @@
                   <a:latin typeface="메이플스토리" panose="02000300000000000000" pitchFamily="2" charset="-127"/>
                   <a:ea typeface="메이플스토리" panose="02000300000000000000" pitchFamily="2" charset="-127"/>
                 </a:rPr>
-                <a:t>지식 생성</a:t>
+                <a:t>운동 생성</a:t>
               </a:r>
             </a:p>
           </p:txBody>
@@ -8136,6 +8113,146 @@
           </p:txBody>
         </p:sp>
       </p:grpSp>
+      <p:pic>
+        <p:nvPicPr>
+          <p:cNvPr id="19" name="그림 18">
+            <a:extLst>
+              <a:ext uri="{FF2B5EF4-FFF2-40B4-BE49-F238E27FC236}">
+                <a16:creationId xmlns:a16="http://schemas.microsoft.com/office/drawing/2014/main" id="{C317CA60-32D1-4E1C-812C-2AE88AA74832}"/>
+              </a:ext>
+            </a:extLst>
+          </p:cNvPr>
+          <p:cNvPicPr>
+            <a:picLocks noChangeAspect="1"/>
+          </p:cNvPicPr>
+          <p:nvPr/>
+        </p:nvPicPr>
+        <p:blipFill>
+          <a:blip r:embed="rId2">
+            <a:extLst>
+              <a:ext uri="{28A0092B-C50C-407E-A947-70E740481C1C}">
+                <a14:useLocalDpi xmlns:a14="http://schemas.microsoft.com/office/drawing/2010/main" val="0"/>
+              </a:ext>
+            </a:extLst>
+          </a:blip>
+          <a:stretch>
+            <a:fillRect/>
+          </a:stretch>
+        </p:blipFill>
+        <p:spPr>
+          <a:xfrm>
+            <a:off x="8433076" y="976871"/>
+            <a:ext cx="3177731" cy="5178973"/>
+          </a:xfrm>
+          <a:prstGeom prst="rect">
+            <a:avLst/>
+          </a:prstGeom>
+        </p:spPr>
+      </p:pic>
+      <p:sp>
+        <p:nvSpPr>
+          <p:cNvPr id="20" name="직사각형 19">
+            <a:extLst>
+              <a:ext uri="{FF2B5EF4-FFF2-40B4-BE49-F238E27FC236}">
+                <a16:creationId xmlns:a16="http://schemas.microsoft.com/office/drawing/2014/main" id="{BBB47F12-9614-4D64-B211-40AAEFF0F088}"/>
+              </a:ext>
+            </a:extLst>
+          </p:cNvPr>
+          <p:cNvSpPr/>
+          <p:nvPr/>
+        </p:nvSpPr>
+        <p:spPr>
+          <a:xfrm>
+            <a:off x="8525401" y="1296516"/>
+            <a:ext cx="2971274" cy="351560"/>
+          </a:xfrm>
+          <a:prstGeom prst="rect">
+            <a:avLst/>
+          </a:prstGeom>
+          <a:noFill/>
+          <a:ln w="31750">
+            <a:solidFill>
+              <a:srgbClr val="FF0000"/>
+            </a:solidFill>
+          </a:ln>
+        </p:spPr>
+        <p:style>
+          <a:lnRef idx="2">
+            <a:schemeClr val="accent1">
+              <a:shade val="50000"/>
+            </a:schemeClr>
+          </a:lnRef>
+          <a:fillRef idx="1">
+            <a:schemeClr val="accent1"/>
+          </a:fillRef>
+          <a:effectRef idx="0">
+            <a:schemeClr val="accent1"/>
+          </a:effectRef>
+          <a:fontRef idx="minor">
+            <a:schemeClr val="lt1"/>
+          </a:fontRef>
+        </p:style>
+        <p:txBody>
+          <a:bodyPr rtlCol="0" anchor="ctr"/>
+          <a:lstStyle/>
+          <a:p>
+            <a:pPr algn="ctr"/>
+            <a:endParaRPr lang="ko-KR" altLang="en-US"/>
+          </a:p>
+        </p:txBody>
+      </p:sp>
+      <p:sp>
+        <p:nvSpPr>
+          <p:cNvPr id="21" name="직사각형 20">
+            <a:extLst>
+              <a:ext uri="{FF2B5EF4-FFF2-40B4-BE49-F238E27FC236}">
+                <a16:creationId xmlns:a16="http://schemas.microsoft.com/office/drawing/2014/main" id="{8A029F6E-0CB7-436C-B452-D914952CB269}"/>
+              </a:ext>
+            </a:extLst>
+          </p:cNvPr>
+          <p:cNvSpPr/>
+          <p:nvPr/>
+        </p:nvSpPr>
+        <p:spPr>
+          <a:xfrm>
+            <a:off x="8536304" y="5458847"/>
+            <a:ext cx="2971274" cy="469374"/>
+          </a:xfrm>
+          <a:prstGeom prst="rect">
+            <a:avLst/>
+          </a:prstGeom>
+          <a:noFill/>
+          <a:ln w="31750">
+            <a:solidFill>
+              <a:srgbClr val="FF0000"/>
+            </a:solidFill>
+          </a:ln>
+        </p:spPr>
+        <p:style>
+          <a:lnRef idx="2">
+            <a:schemeClr val="accent1">
+              <a:shade val="50000"/>
+            </a:schemeClr>
+          </a:lnRef>
+          <a:fillRef idx="1">
+            <a:schemeClr val="accent1"/>
+          </a:fillRef>
+          <a:effectRef idx="0">
+            <a:schemeClr val="accent1"/>
+          </a:effectRef>
+          <a:fontRef idx="minor">
+            <a:schemeClr val="lt1"/>
+          </a:fontRef>
+        </p:style>
+        <p:txBody>
+          <a:bodyPr rtlCol="0" anchor="ctr"/>
+          <a:lstStyle/>
+          <a:p>
+            <a:pPr algn="ctr"/>
+            <a:endParaRPr lang="ko-KR" altLang="en-US"/>
+          </a:p>
+        </p:txBody>
+      </p:sp>
     </p:spTree>
     <p:extLst>
       <p:ext uri="{BB962C8B-B14F-4D97-AF65-F5344CB8AC3E}">
@@ -8189,12 +8306,15 @@
           <a:p>
             <a:r>
               <a:rPr lang="ko-KR" altLang="en-US" dirty="0"/>
-              <a:t>지식 생성</a:t>
+              <a:t>지식 생성 </a:t>
             </a:r>
             <a:r>
               <a:rPr lang="en-US" altLang="ko-KR" dirty="0"/>
               <a:t>, </a:t>
             </a:r>
+            <a:br>
+              <a:rPr lang="en-US" altLang="ko-KR" dirty="0"/>
+            </a:br>
             <a:r>
               <a:rPr lang="ko-KR" altLang="en-US" dirty="0"/>
               <a:t>운동 생성</a:t>
@@ -8223,6 +8343,9 @@
           <a:bodyPr/>
           <a:lstStyle/>
           <a:p>
+            <a:endParaRPr lang="en-US" altLang="ko-KR" dirty="0"/>
+          </a:p>
+          <a:p>
             <a:r>
               <a:rPr lang="ko-KR" altLang="en-US" dirty="0"/>
               <a:t>월드로부터 얻은 데이터를 정보</a:t>
@@ -8238,61 +8361,40 @@
             <a:endParaRPr lang="en-US" altLang="ko-KR" dirty="0"/>
           </a:p>
           <a:p>
+            <a:endParaRPr lang="en-US" altLang="ko-KR" dirty="0"/>
+          </a:p>
+          <a:p>
+            <a:r>
+              <a:rPr lang="ko-KR" altLang="en-US" dirty="0"/>
+              <a:t>적절한 자료구조와 알고리즘</a:t>
+            </a:r>
+            <a:r>
+              <a:rPr lang="en-US" altLang="ko-KR" dirty="0"/>
+              <a:t>, </a:t>
+            </a:r>
+            <a:r>
+              <a:rPr lang="ko-KR" altLang="en-US" dirty="0"/>
+              <a:t>설계 활용</a:t>
+            </a:r>
+            <a:endParaRPr lang="en-US" altLang="ko-KR" dirty="0"/>
+          </a:p>
+          <a:p>
+            <a:pPr lvl="1"/>
+            <a:r>
+              <a:rPr lang="ko-KR" altLang="en-US" dirty="0"/>
+              <a:t>최적화와 성능 향상의 장</a:t>
+            </a:r>
+            <a:endParaRPr lang="en-US" altLang="ko-KR" dirty="0"/>
+          </a:p>
+          <a:p>
             <a:pPr lvl="1"/>
             <a:endParaRPr lang="en-US" altLang="ko-KR" dirty="0"/>
           </a:p>
           <a:p>
-            <a:endParaRPr lang="en-US" altLang="ko-KR" dirty="0"/>
-          </a:p>
-          <a:p>
             <a:r>
               <a:rPr lang="ko-KR" altLang="en-US" dirty="0"/>
-              <a:t>적절한 자료구조와 알고리즘</a:t>
-            </a:r>
-            <a:r>
-              <a:rPr lang="en-US" altLang="ko-KR" dirty="0"/>
-              <a:t>, </a:t>
-            </a:r>
-            <a:r>
-              <a:rPr lang="ko-KR" altLang="en-US" dirty="0"/>
-              <a:t>설계 활용</a:t>
-            </a:r>
-            <a:endParaRPr lang="en-US" altLang="ko-KR" dirty="0"/>
-          </a:p>
-          <a:p>
-            <a:pPr lvl="1"/>
-            <a:r>
-              <a:rPr lang="ko-KR" altLang="en-US" dirty="0"/>
-              <a:t>최적화와 성능 향상의 장</a:t>
-            </a:r>
-            <a:endParaRPr lang="en-US" altLang="ko-KR" dirty="0"/>
-          </a:p>
-          <a:p>
-            <a:pPr lvl="1"/>
-            <a:endParaRPr lang="en-US" altLang="ko-KR" dirty="0"/>
-          </a:p>
-          <a:p>
-            <a:pPr lvl="1"/>
-            <a:endParaRPr lang="en-US" altLang="ko-KR" dirty="0"/>
-          </a:p>
-          <a:p>
-            <a:r>
-              <a:rPr lang="ko-KR" altLang="en-US" b="1" u="sng" dirty="0"/>
-              <a:t>예시추가</a:t>
-            </a:r>
-            <a:endParaRPr lang="en-US" altLang="ko-KR" b="1" u="sng" dirty="0"/>
-          </a:p>
-          <a:p>
-            <a:r>
-              <a:rPr lang="ko-KR" altLang="en-US" b="1" u="sng" dirty="0"/>
-              <a:t>분리할까</a:t>
-            </a:r>
-            <a:r>
-              <a:rPr lang="en-US" altLang="ko-KR" b="1" u="sng" dirty="0"/>
-              <a:t>?</a:t>
-            </a:r>
-          </a:p>
-          <a:p>
+              <a:t>대부분의 운동 생성은 간단</a:t>
+            </a:r>
             <a:endParaRPr lang="en-US" altLang="ko-KR" dirty="0"/>
           </a:p>
         </p:txBody>
@@ -8311,7 +8413,7 @@
         </p:nvGrpSpPr>
         <p:grpSpPr>
           <a:xfrm>
-            <a:off x="7077323" y="884980"/>
+            <a:off x="3240000" y="900000"/>
             <a:ext cx="4533484" cy="1886131"/>
             <a:chOff x="1462714" y="2145821"/>
             <a:chExt cx="9266572" cy="3414094"/>
@@ -8471,7 +8573,7 @@
                   <a:latin typeface="메이플스토리" panose="02000300000000000000" pitchFamily="2" charset="-127"/>
                   <a:ea typeface="메이플스토리" panose="02000300000000000000" pitchFamily="2" charset="-127"/>
                 </a:rPr>
-                <a:t>지식 생성</a:t>
+                <a:t>의사 결정</a:t>
               </a:r>
             </a:p>
           </p:txBody>
@@ -8526,7 +8628,7 @@
                   <a:latin typeface="메이플스토리" panose="02000300000000000000" pitchFamily="2" charset="-127"/>
                   <a:ea typeface="메이플스토리" panose="02000300000000000000" pitchFamily="2" charset="-127"/>
                 </a:rPr>
-                <a:t>지식 생성</a:t>
+                <a:t>운동 생성</a:t>
               </a:r>
             </a:p>
           </p:txBody>
@@ -8997,6 +9099,146 @@
           </p:txBody>
         </p:sp>
       </p:grpSp>
+      <p:pic>
+        <p:nvPicPr>
+          <p:cNvPr id="18" name="그림 17">
+            <a:extLst>
+              <a:ext uri="{FF2B5EF4-FFF2-40B4-BE49-F238E27FC236}">
+                <a16:creationId xmlns:a16="http://schemas.microsoft.com/office/drawing/2014/main" id="{D97BFBE8-AD57-45FE-A7F8-5907C8985C67}"/>
+              </a:ext>
+            </a:extLst>
+          </p:cNvPr>
+          <p:cNvPicPr>
+            <a:picLocks noChangeAspect="1"/>
+          </p:cNvPicPr>
+          <p:nvPr/>
+        </p:nvPicPr>
+        <p:blipFill>
+          <a:blip r:embed="rId2">
+            <a:extLst>
+              <a:ext uri="{28A0092B-C50C-407E-A947-70E740481C1C}">
+                <a14:useLocalDpi xmlns:a14="http://schemas.microsoft.com/office/drawing/2010/main" val="0"/>
+              </a:ext>
+            </a:extLst>
+          </a:blip>
+          <a:stretch>
+            <a:fillRect/>
+          </a:stretch>
+        </p:blipFill>
+        <p:spPr>
+          <a:xfrm>
+            <a:off x="8433076" y="976871"/>
+            <a:ext cx="3177731" cy="5178973"/>
+          </a:xfrm>
+          <a:prstGeom prst="rect">
+            <a:avLst/>
+          </a:prstGeom>
+        </p:spPr>
+      </p:pic>
+      <p:sp>
+        <p:nvSpPr>
+          <p:cNvPr id="20" name="직사각형 19">
+            <a:extLst>
+              <a:ext uri="{FF2B5EF4-FFF2-40B4-BE49-F238E27FC236}">
+                <a16:creationId xmlns:a16="http://schemas.microsoft.com/office/drawing/2014/main" id="{A55E2051-1687-4E1E-9D30-804AD1BC3F93}"/>
+              </a:ext>
+            </a:extLst>
+          </p:cNvPr>
+          <p:cNvSpPr/>
+          <p:nvPr/>
+        </p:nvSpPr>
+        <p:spPr>
+          <a:xfrm>
+            <a:off x="8515890" y="1817110"/>
+            <a:ext cx="2971274" cy="469374"/>
+          </a:xfrm>
+          <a:prstGeom prst="rect">
+            <a:avLst/>
+          </a:prstGeom>
+          <a:noFill/>
+          <a:ln w="31750">
+            <a:solidFill>
+              <a:srgbClr val="FF0000"/>
+            </a:solidFill>
+          </a:ln>
+        </p:spPr>
+        <p:style>
+          <a:lnRef idx="2">
+            <a:schemeClr val="accent1">
+              <a:shade val="50000"/>
+            </a:schemeClr>
+          </a:lnRef>
+          <a:fillRef idx="1">
+            <a:schemeClr val="accent1"/>
+          </a:fillRef>
+          <a:effectRef idx="0">
+            <a:schemeClr val="accent1"/>
+          </a:effectRef>
+          <a:fontRef idx="minor">
+            <a:schemeClr val="lt1"/>
+          </a:fontRef>
+        </p:style>
+        <p:txBody>
+          <a:bodyPr rtlCol="0" anchor="ctr"/>
+          <a:lstStyle/>
+          <a:p>
+            <a:pPr algn="ctr"/>
+            <a:endParaRPr lang="ko-KR" altLang="en-US"/>
+          </a:p>
+        </p:txBody>
+      </p:sp>
+      <p:sp>
+        <p:nvSpPr>
+          <p:cNvPr id="22" name="직사각형 21">
+            <a:extLst>
+              <a:ext uri="{FF2B5EF4-FFF2-40B4-BE49-F238E27FC236}">
+                <a16:creationId xmlns:a16="http://schemas.microsoft.com/office/drawing/2014/main" id="{902B8B62-0A1C-4648-9301-06BEE176562C}"/>
+              </a:ext>
+            </a:extLst>
+          </p:cNvPr>
+          <p:cNvSpPr/>
+          <p:nvPr/>
+        </p:nvSpPr>
+        <p:spPr>
+          <a:xfrm>
+            <a:off x="8536304" y="5458847"/>
+            <a:ext cx="2971274" cy="469374"/>
+          </a:xfrm>
+          <a:prstGeom prst="rect">
+            <a:avLst/>
+          </a:prstGeom>
+          <a:noFill/>
+          <a:ln w="31750">
+            <a:solidFill>
+              <a:srgbClr val="FF0000"/>
+            </a:solidFill>
+          </a:ln>
+        </p:spPr>
+        <p:style>
+          <a:lnRef idx="2">
+            <a:schemeClr val="accent1">
+              <a:shade val="50000"/>
+            </a:schemeClr>
+          </a:lnRef>
+          <a:fillRef idx="1">
+            <a:schemeClr val="accent1"/>
+          </a:fillRef>
+          <a:effectRef idx="0">
+            <a:schemeClr val="accent1"/>
+          </a:effectRef>
+          <a:fontRef idx="minor">
+            <a:schemeClr val="lt1"/>
+          </a:fontRef>
+        </p:style>
+        <p:txBody>
+          <a:bodyPr rtlCol="0" anchor="ctr"/>
+          <a:lstStyle/>
+          <a:p>
+            <a:pPr algn="ctr"/>
+            <a:endParaRPr lang="ko-KR" altLang="en-US"/>
+          </a:p>
+        </p:txBody>
+      </p:sp>
     </p:spTree>
     <p:extLst>
       <p:ext uri="{BB962C8B-B14F-4D97-AF65-F5344CB8AC3E}">
